--- a/07. PHP/intro to PHP.pptx
+++ b/07. PHP/intro to PHP.pptx
@@ -651,7 +651,7 @@
             <a:fld id="{1D8BD707-D9CF-40AE-B4C6-C98DA3205C09}" type="datetimeFigureOut">
               <a:rPr lang="en-US" smtClean="0"/>
               <a:pPr/>
-              <a:t>4/27/2021</a:t>
+              <a:t>6/23/2021</a:t>
             </a:fld>
             <a:endParaRPr lang="en-US"/>
           </a:p>
@@ -753,7 +753,7 @@
           </a:ln>
           <a:extLst>
             <a:ext uri="{91240B29-F687-4f45-9708-019B960494DF}">
-              <a14:hiddenLine xmlns="" xmlns:a14="http://schemas.microsoft.com/office/drawing/2010/main" w="9525">
+              <a14:hiddenLine xmlns:a14="http://schemas.microsoft.com/office/drawing/2010/main" xmlns="" w="9525">
                 <a:solidFill>
                   <a:srgbClr val="000000"/>
                 </a:solidFill>
@@ -808,7 +808,7 @@
           </a:ln>
           <a:extLst>
             <a:ext uri="{91240B29-F687-4f45-9708-019B960494DF}">
-              <a14:hiddenLine xmlns="" xmlns:a14="http://schemas.microsoft.com/office/drawing/2010/main" w="9525">
+              <a14:hiddenLine xmlns:a14="http://schemas.microsoft.com/office/drawing/2010/main" xmlns="" w="9525">
                 <a:solidFill>
                   <a:srgbClr val="000000"/>
                 </a:solidFill>
@@ -1064,7 +1064,7 @@
             <a:fld id="{1D8BD707-D9CF-40AE-B4C6-C98DA3205C09}" type="datetimeFigureOut">
               <a:rPr lang="en-US" smtClean="0"/>
               <a:pPr/>
-              <a:t>4/27/2021</a:t>
+              <a:t>6/23/2021</a:t>
             </a:fld>
             <a:endParaRPr lang="en-US"/>
           </a:p>
@@ -1314,7 +1314,7 @@
             <a:fld id="{1D8BD707-D9CF-40AE-B4C6-C98DA3205C09}" type="datetimeFigureOut">
               <a:rPr lang="en-US" smtClean="0"/>
               <a:pPr/>
-              <a:t>4/27/2021</a:t>
+              <a:t>6/23/2021</a:t>
             </a:fld>
             <a:endParaRPr lang="en-US"/>
           </a:p>
@@ -1856,7 +1856,7 @@
             <a:fld id="{1D8BD707-D9CF-40AE-B4C6-C98DA3205C09}" type="datetimeFigureOut">
               <a:rPr lang="en-US" smtClean="0"/>
               <a:pPr/>
-              <a:t>4/27/2021</a:t>
+              <a:t>6/23/2021</a:t>
             </a:fld>
             <a:endParaRPr lang="en-US"/>
           </a:p>
@@ -2106,7 +2106,7 @@
             <a:fld id="{1D8BD707-D9CF-40AE-B4C6-C98DA3205C09}" type="datetimeFigureOut">
               <a:rPr lang="en-US" smtClean="0"/>
               <a:pPr/>
-              <a:t>4/27/2021</a:t>
+              <a:t>6/23/2021</a:t>
             </a:fld>
             <a:endParaRPr lang="en-US"/>
           </a:p>
@@ -2640,7 +2640,7 @@
             <a:fld id="{1D8BD707-D9CF-40AE-B4C6-C98DA3205C09}" type="datetimeFigureOut">
               <a:rPr lang="en-US" smtClean="0"/>
               <a:pPr/>
-              <a:t>4/27/2021</a:t>
+              <a:t>6/23/2021</a:t>
             </a:fld>
             <a:endParaRPr lang="en-US"/>
           </a:p>
@@ -2939,7 +2939,7 @@
             <a:fld id="{1D8BD707-D9CF-40AE-B4C6-C98DA3205C09}" type="datetimeFigureOut">
               <a:rPr lang="en-US" smtClean="0"/>
               <a:pPr/>
-              <a:t>4/27/2021</a:t>
+              <a:t>6/23/2021</a:t>
             </a:fld>
             <a:endParaRPr lang="en-US"/>
           </a:p>
@@ -3115,7 +3115,7 @@
             <a:fld id="{1D8BD707-D9CF-40AE-B4C6-C98DA3205C09}" type="datetimeFigureOut">
               <a:rPr lang="en-US" smtClean="0"/>
               <a:pPr/>
-              <a:t>4/27/2021</a:t>
+              <a:t>6/23/2021</a:t>
             </a:fld>
             <a:endParaRPr lang="en-US"/>
           </a:p>
@@ -3297,7 +3297,7 @@
             <a:fld id="{1D8BD707-D9CF-40AE-B4C6-C98DA3205C09}" type="datetimeFigureOut">
               <a:rPr lang="en-US" smtClean="0"/>
               <a:pPr/>
-              <a:t>4/27/2021</a:t>
+              <a:t>6/23/2021</a:t>
             </a:fld>
             <a:endParaRPr lang="en-US"/>
           </a:p>
@@ -3484,7 +3484,7 @@
             <a:fld id="{1D8BD707-D9CF-40AE-B4C6-C98DA3205C09}" type="datetimeFigureOut">
               <a:rPr lang="en-US" smtClean="0"/>
               <a:pPr/>
-              <a:t>4/27/2021</a:t>
+              <a:t>6/23/2021</a:t>
             </a:fld>
             <a:endParaRPr lang="en-US"/>
           </a:p>
@@ -3742,7 +3742,7 @@
             <a:fld id="{1D8BD707-D9CF-40AE-B4C6-C98DA3205C09}" type="datetimeFigureOut">
               <a:rPr lang="en-US" smtClean="0"/>
               <a:pPr/>
-              <a:t>4/27/2021</a:t>
+              <a:t>6/23/2021</a:t>
             </a:fld>
             <a:endParaRPr lang="en-US"/>
           </a:p>
@@ -4046,7 +4046,7 @@
             <a:fld id="{1D8BD707-D9CF-40AE-B4C6-C98DA3205C09}" type="datetimeFigureOut">
               <a:rPr lang="en-US" smtClean="0"/>
               <a:pPr/>
-              <a:t>4/27/2021</a:t>
+              <a:t>6/23/2021</a:t>
             </a:fld>
             <a:endParaRPr lang="en-US"/>
           </a:p>
@@ -4490,7 +4490,7 @@
             <a:fld id="{1D8BD707-D9CF-40AE-B4C6-C98DA3205C09}" type="datetimeFigureOut">
               <a:rPr lang="en-US" smtClean="0"/>
               <a:pPr/>
-              <a:t>4/27/2021</a:t>
+              <a:t>6/23/2021</a:t>
             </a:fld>
             <a:endParaRPr lang="en-US"/>
           </a:p>
@@ -4610,7 +4610,7 @@
             <a:fld id="{1D8BD707-D9CF-40AE-B4C6-C98DA3205C09}" type="datetimeFigureOut">
               <a:rPr lang="en-US" smtClean="0"/>
               <a:pPr/>
-              <a:t>4/27/2021</a:t>
+              <a:t>6/23/2021</a:t>
             </a:fld>
             <a:endParaRPr lang="en-US"/>
           </a:p>
@@ -4707,7 +4707,7 @@
             <a:fld id="{1D8BD707-D9CF-40AE-B4C6-C98DA3205C09}" type="datetimeFigureOut">
               <a:rPr lang="en-US" smtClean="0"/>
               <a:pPr/>
-              <a:t>4/27/2021</a:t>
+              <a:t>6/23/2021</a:t>
             </a:fld>
             <a:endParaRPr lang="en-US"/>
           </a:p>
@@ -4992,7 +4992,7 @@
             <a:fld id="{1D8BD707-D9CF-40AE-B4C6-C98DA3205C09}" type="datetimeFigureOut">
               <a:rPr lang="en-US" smtClean="0"/>
               <a:pPr/>
-              <a:t>4/27/2021</a:t>
+              <a:t>6/23/2021</a:t>
             </a:fld>
             <a:endParaRPr lang="en-US"/>
           </a:p>
@@ -5285,7 +5285,7 @@
             <a:fld id="{1D8BD707-D9CF-40AE-B4C6-C98DA3205C09}" type="datetimeFigureOut">
               <a:rPr lang="en-US" smtClean="0"/>
               <a:pPr/>
-              <a:t>4/27/2021</a:t>
+              <a:t>6/23/2021</a:t>
             </a:fld>
             <a:endParaRPr lang="en-US"/>
           </a:p>
@@ -5811,7 +5811,7 @@
             <a:fld id="{1D8BD707-D9CF-40AE-B4C6-C98DA3205C09}" type="datetimeFigureOut">
               <a:rPr lang="en-US" smtClean="0"/>
               <a:pPr/>
-              <a:t>4/27/2021</a:t>
+              <a:t>6/23/2021</a:t>
             </a:fld>
             <a:endParaRPr lang="en-US"/>
           </a:p>
@@ -6439,7 +6439,7 @@
         </p:blipFill>
         <p:spPr bwMode="auto">
           <a:xfrm>
-            <a:off x="914400" y="1600200"/>
+            <a:off x="914400" y="1524000"/>
             <a:ext cx="8229600" cy="4191000"/>
           </a:xfrm>
           <a:prstGeom prst="rect">
@@ -6584,7 +6584,12 @@
             <p:ph idx="1"/>
           </p:nvPr>
         </p:nvSpPr>
-        <p:spPr/>
+        <p:spPr>
+          <a:xfrm>
+            <a:off x="947921" y="2514600"/>
+            <a:ext cx="7704667" cy="3332816"/>
+          </a:xfrm>
+        </p:spPr>
         <p:txBody>
           <a:bodyPr/>
           <a:lstStyle/>
@@ -7117,7 +7122,7 @@
         <p:spPr/>
         <p:txBody>
           <a:bodyPr>
-            <a:normAutofit fontScale="62500" lnSpcReduction="20000"/>
+            <a:normAutofit fontScale="70000" lnSpcReduction="20000"/>
           </a:bodyPr>
           <a:lstStyle/>
           <a:p>
@@ -7139,6 +7144,17 @@
                 </a:solidFill>
                 <a:latin typeface="+mj-lt"/>
               </a:rPr>
+              <a:t>PHP / Apache / MySQL Setup</a:t>
+            </a:r>
+          </a:p>
+          <a:p>
+            <a:r>
+              <a:rPr lang="en-US" b="1" i="1" dirty="0">
+                <a:solidFill>
+                  <a:srgbClr val="002060"/>
+                </a:solidFill>
+                <a:latin typeface="+mj-lt"/>
+              </a:rPr>
               <a:t>PHP basics Principles</a:t>
             </a:r>
           </a:p>
@@ -7228,17 +7244,6 @@
                 </a:solidFill>
                 <a:latin typeface="+mj-lt"/>
               </a:rPr>
-              <a:t>PHP / Apache / MySQL Setup</a:t>
-            </a:r>
-          </a:p>
-          <a:p>
-            <a:r>
-              <a:rPr lang="en-US" b="1" i="1" dirty="0">
-                <a:solidFill>
-                  <a:srgbClr val="002060"/>
-                </a:solidFill>
-                <a:latin typeface="+mj-lt"/>
-              </a:rPr>
               <a:t>Dynamics  Pages   (back to PHP)</a:t>
             </a:r>
           </a:p>
@@ -7272,36 +7277,7 @@
                 </a:solidFill>
                 <a:latin typeface="+mj-lt"/>
               </a:rPr>
-              <a:t>Project (New module) </a:t>
-            </a:r>
-          </a:p>
-          <a:p>
-            <a:r>
-              <a:rPr lang="en-US" b="1" i="1" dirty="0">
-                <a:solidFill>
-                  <a:srgbClr val="002060"/>
-                </a:solidFill>
-                <a:latin typeface="+mj-lt"/>
-              </a:rPr>
-              <a:t>Session cookies  </a:t>
-            </a:r>
-            <a:r>
-              <a:rPr lang="en-US" b="1" i="1" dirty="0" err="1">
-                <a:solidFill>
-                  <a:srgbClr val="002060"/>
-                </a:solidFill>
-                <a:latin typeface="+mj-lt"/>
-              </a:rPr>
-              <a:t>api</a:t>
-            </a:r>
-            <a:r>
-              <a:rPr lang="en-US" b="1" i="1" dirty="0">
-                <a:solidFill>
-                  <a:srgbClr val="002060"/>
-                </a:solidFill>
-                <a:latin typeface="+mj-lt"/>
-              </a:rPr>
-              <a:t>  models and other concepts</a:t>
+              <a:t>Project (New module)</a:t>
             </a:r>
           </a:p>
         </p:txBody>
